--- a/docs/TruthcoinValuable.pptx
+++ b/docs/TruthcoinValuable.pptx
@@ -203,7 +203,7 @@
           <a:p>
             <a:fld id="{0CD9068B-E502-4164-A44C-A6BD5A85D685}" type="datetimeFigureOut">
               <a:rPr lang="en-US" smtClean="0"/>
-              <a:t>6/29/2014</a:t>
+              <a:t>7/4/2014</a:t>
             </a:fld>
             <a:endParaRPr lang="en-US"/>
           </a:p>
@@ -1221,6 +1221,20 @@
             </a:pPr>
             <a:r>
               <a:rPr lang="en-US" dirty="0" smtClean="0"/>
+              <a:t>Even</a:t>
+            </a:r>
+            <a:r>
+              <a:rPr lang="en-US" baseline="0" dirty="0" smtClean="0"/>
+              <a:t> better – hedge (option to see portfolio value increase)</a:t>
+            </a:r>
+            <a:endParaRPr lang="en-US" dirty="0" smtClean="0"/>
+          </a:p>
+          <a:p>
+            <a:pPr marL="228600" indent="-228600">
+              <a:buAutoNum type="arabicPeriod"/>
+            </a:pPr>
+            <a:r>
+              <a:rPr lang="en-US" dirty="0" smtClean="0"/>
               <a:t>Buying</a:t>
             </a:r>
             <a:r>
@@ -1290,20 +1304,8 @@
               <a:defRPr/>
             </a:pPr>
             <a:r>
-              <a:rPr lang="en-US" dirty="0" smtClean="0"/>
-              <a:t>Current</a:t>
-            </a:r>
-            <a:r>
               <a:rPr lang="en-US" baseline="0" dirty="0" smtClean="0"/>
-              <a:t> use of </a:t>
-            </a:r>
-            <a:r>
-              <a:rPr lang="en-US" baseline="0" dirty="0" err="1" smtClean="0"/>
-              <a:t>CoinJoin</a:t>
-            </a:r>
-            <a:r>
-              <a:rPr lang="en-US" baseline="0" dirty="0" smtClean="0"/>
-              <a:t> is subject to a very minor trust inconvenience (refusing to sign a transaction you’ve claimed you would sign). Can simply all buy </a:t>
+              <a:t>More details in my 3_Applications paper.</a:t>
             </a:r>
           </a:p>
           <a:p>
@@ -1326,36 +1328,8 @@
             </a:pPr>
             <a:r>
               <a:rPr lang="en-US" baseline="0" dirty="0" smtClean="0"/>
-              <a:t>More details in my 3_Applications paper</a:t>
-            </a:r>
-            <a:r>
-              <a:rPr lang="en-US" baseline="0" dirty="0" smtClean="0"/>
-              <a:t>.</a:t>
-            </a:r>
-          </a:p>
-          <a:p>
-            <a:pPr marL="228600" marR="0" lvl="0" indent="-228600" algn="l" defTabSz="914400" rtl="0" eaLnBrk="1" fontAlgn="auto" latinLnBrk="0" hangingPunct="1">
-              <a:lnSpc>
-                <a:spcPct val="100000"/>
-              </a:lnSpc>
-              <a:spcBef>
-                <a:spcPts val="0"/>
-              </a:spcBef>
-              <a:spcAft>
-                <a:spcPts val="0"/>
-              </a:spcAft>
-              <a:buClrTx/>
-              <a:buSzTx/>
-              <a:buFontTx/>
-              <a:buAutoNum type="arabicPeriod"/>
-              <a:tabLst/>
-              <a:defRPr/>
-            </a:pPr>
-            <a:r>
-              <a:rPr lang="en-US" baseline="0" dirty="0" smtClean="0"/>
               <a:t>Non-moral-hazard only. Requires fully collateralized (will have limited applications).</a:t>
             </a:r>
-            <a:endParaRPr lang="en-US" baseline="0" dirty="0" smtClean="0"/>
           </a:p>
           <a:p>
             <a:pPr marL="228600" marR="0" lvl="0" indent="-228600" algn="l" defTabSz="914400" rtl="0" eaLnBrk="1" fontAlgn="auto" latinLnBrk="0" hangingPunct="1">
@@ -1759,11 +1733,7 @@
             </a:pPr>
             <a:r>
               <a:rPr lang="en-US" baseline="0" dirty="0" smtClean="0"/>
-              <a:t>no frozen accounts, etc</a:t>
-            </a:r>
-            <a:r>
-              <a:rPr lang="en-US" baseline="0" dirty="0" smtClean="0"/>
-              <a:t>.</a:t>
+              <a:t>no frozen accounts, etc.</a:t>
             </a:r>
           </a:p>
           <a:p>
@@ -1774,7 +1744,6 @@
               <a:rPr lang="en-US" baseline="0" dirty="0" smtClean="0"/>
               <a:t>Voting Work is required for non-competition (deal with it).</a:t>
             </a:r>
-            <a:endParaRPr lang="en-US" baseline="0" dirty="0" smtClean="0"/>
           </a:p>
           <a:p>
             <a:endParaRPr lang="en-US" dirty="0"/>
@@ -2107,7 +2076,7 @@
           <a:p>
             <a:fld id="{2E39D0DA-D252-458A-A417-A695DDB9074F}" type="datetimeFigureOut">
               <a:rPr lang="en-US" smtClean="0"/>
-              <a:t>6/29/2014</a:t>
+              <a:t>7/4/2014</a:t>
             </a:fld>
             <a:endParaRPr lang="en-US"/>
           </a:p>
@@ -2277,7 +2246,7 @@
           <a:p>
             <a:fld id="{2E39D0DA-D252-458A-A417-A695DDB9074F}" type="datetimeFigureOut">
               <a:rPr lang="en-US" smtClean="0"/>
-              <a:t>6/29/2014</a:t>
+              <a:t>7/4/2014</a:t>
             </a:fld>
             <a:endParaRPr lang="en-US"/>
           </a:p>
@@ -2457,7 +2426,7 @@
           <a:p>
             <a:fld id="{2E39D0DA-D252-458A-A417-A695DDB9074F}" type="datetimeFigureOut">
               <a:rPr lang="en-US" smtClean="0"/>
-              <a:t>6/29/2014</a:t>
+              <a:t>7/4/2014</a:t>
             </a:fld>
             <a:endParaRPr lang="en-US"/>
           </a:p>
@@ -2631,7 +2600,7 @@
           <a:p>
             <a:fld id="{2E39D0DA-D252-458A-A417-A695DDB9074F}" type="datetimeFigureOut">
               <a:rPr lang="en-US" smtClean="0"/>
-              <a:t>6/29/2014</a:t>
+              <a:t>7/4/2014</a:t>
             </a:fld>
             <a:endParaRPr lang="en-US"/>
           </a:p>
@@ -2877,7 +2846,7 @@
           <a:p>
             <a:fld id="{2E39D0DA-D252-458A-A417-A695DDB9074F}" type="datetimeFigureOut">
               <a:rPr lang="en-US" smtClean="0"/>
-              <a:t>6/29/2014</a:t>
+              <a:t>7/4/2014</a:t>
             </a:fld>
             <a:endParaRPr lang="en-US"/>
           </a:p>
@@ -3165,7 +3134,7 @@
           <a:p>
             <a:fld id="{2E39D0DA-D252-458A-A417-A695DDB9074F}" type="datetimeFigureOut">
               <a:rPr lang="en-US" smtClean="0"/>
-              <a:t>6/29/2014</a:t>
+              <a:t>7/4/2014</a:t>
             </a:fld>
             <a:endParaRPr lang="en-US"/>
           </a:p>
@@ -3587,7 +3556,7 @@
           <a:p>
             <a:fld id="{2E39D0DA-D252-458A-A417-A695DDB9074F}" type="datetimeFigureOut">
               <a:rPr lang="en-US" smtClean="0"/>
-              <a:t>6/29/2014</a:t>
+              <a:t>7/4/2014</a:t>
             </a:fld>
             <a:endParaRPr lang="en-US"/>
           </a:p>
@@ -3705,7 +3674,7 @@
           <a:p>
             <a:fld id="{2E39D0DA-D252-458A-A417-A695DDB9074F}" type="datetimeFigureOut">
               <a:rPr lang="en-US" smtClean="0"/>
-              <a:t>6/29/2014</a:t>
+              <a:t>7/4/2014</a:t>
             </a:fld>
             <a:endParaRPr lang="en-US"/>
           </a:p>
@@ -3800,7 +3769,7 @@
           <a:p>
             <a:fld id="{2E39D0DA-D252-458A-A417-A695DDB9074F}" type="datetimeFigureOut">
               <a:rPr lang="en-US" smtClean="0"/>
-              <a:t>6/29/2014</a:t>
+              <a:t>7/4/2014</a:t>
             </a:fld>
             <a:endParaRPr lang="en-US"/>
           </a:p>
@@ -4077,7 +4046,7 @@
           <a:p>
             <a:fld id="{2E39D0DA-D252-458A-A417-A695DDB9074F}" type="datetimeFigureOut">
               <a:rPr lang="en-US" smtClean="0"/>
-              <a:t>6/29/2014</a:t>
+              <a:t>7/4/2014</a:t>
             </a:fld>
             <a:endParaRPr lang="en-US"/>
           </a:p>
@@ -4330,7 +4299,7 @@
           <a:p>
             <a:fld id="{2E39D0DA-D252-458A-A417-A695DDB9074F}" type="datetimeFigureOut">
               <a:rPr lang="en-US" smtClean="0"/>
-              <a:t>6/29/2014</a:t>
+              <a:t>7/4/2014</a:t>
             </a:fld>
             <a:endParaRPr lang="en-US"/>
           </a:p>
@@ -4543,7 +4512,7 @@
           <a:p>
             <a:fld id="{2E39D0DA-D252-458A-A417-A695DDB9074F}" type="datetimeFigureOut">
               <a:rPr lang="en-US" smtClean="0"/>
-              <a:t>6/29/2014</a:t>
+              <a:t>7/4/2014</a:t>
             </a:fld>
             <a:endParaRPr lang="en-US"/>
           </a:p>
@@ -4970,21 +4939,13 @@
           <a:p>
             <a:r>
               <a:rPr lang="en-US" sz="1800" dirty="0" smtClean="0"/>
-              <a:t>v0.1 - </a:t>
-            </a:r>
-            <a:r>
-              <a:rPr lang="en-US" sz="1800" dirty="0" smtClean="0"/>
-              <a:t>6/29/2014</a:t>
+              <a:t>v0.2 – 7/3/2014</a:t>
             </a:r>
           </a:p>
           <a:p>
             <a:r>
               <a:rPr lang="en-US" dirty="0" smtClean="0"/>
-              <a:t>Paul </a:t>
-            </a:r>
-            <a:r>
-              <a:rPr lang="en-US" dirty="0" smtClean="0"/>
-              <a:t>Sztorc</a:t>
+              <a:t>Paul Sztorc</a:t>
             </a:r>
           </a:p>
           <a:p>
@@ -5052,11 +5013,7 @@
           <a:p>
             <a:r>
               <a:rPr lang="en-US" dirty="0" smtClean="0"/>
-              <a:t>[3] Possibilities </a:t>
-            </a:r>
-            <a:r>
-              <a:rPr lang="en-US" dirty="0" smtClean="0"/>
-              <a:t>– Branch Valuations</a:t>
+              <a:t>[3] Possibilities – “Main Branch”</a:t>
             </a:r>
             <a:endParaRPr lang="en-US" dirty="0"/>
           </a:p>
@@ -5381,19 +5338,7 @@
                             </a:outerShdw>
                           </a:effectLst>
                         </a:rPr>
-                        <a:t>112.5 </a:t>
-                      </a:r>
-                      <a:r>
-                        <a:rPr lang="en-US" sz="2800" dirty="0" smtClean="0">
-                          <a:effectLst>
-                            <a:outerShdw blurRad="38100" dist="38100" dir="2700000" algn="tl">
-                              <a:srgbClr val="000000">
-                                <a:alpha val="43137"/>
-                              </a:srgbClr>
-                            </a:outerShdw>
-                          </a:effectLst>
-                        </a:rPr>
-                        <a:t>million</a:t>
+                        <a:t>112.5 million</a:t>
                       </a:r>
                       <a:endParaRPr lang="en-US" sz="2800" b="1" i="0" dirty="0">
                         <a:solidFill>
@@ -5427,19 +5372,7 @@
                             </a:outerShdw>
                           </a:effectLst>
                         </a:rPr>
-                        <a:t>2.25 </a:t>
-                      </a:r>
-                      <a:r>
-                        <a:rPr lang="en-US" sz="2800" dirty="0" smtClean="0">
-                          <a:effectLst>
-                            <a:outerShdw blurRad="38100" dist="38100" dir="2700000" algn="tl">
-                              <a:srgbClr val="000000">
-                                <a:alpha val="43137"/>
-                              </a:srgbClr>
-                            </a:outerShdw>
-                          </a:effectLst>
-                        </a:rPr>
-                        <a:t>billion</a:t>
+                        <a:t>2.25 billion</a:t>
                       </a:r>
                       <a:endParaRPr lang="en-US" sz="2800" b="1" i="0" dirty="0">
                         <a:solidFill>
@@ -5550,19 +5483,7 @@
                             </a:outerShdw>
                           </a:effectLst>
                         </a:rPr>
-                        <a:t>207 </a:t>
-                      </a:r>
-                      <a:r>
-                        <a:rPr lang="en-US" sz="2800" dirty="0" smtClean="0">
-                          <a:effectLst>
-                            <a:outerShdw blurRad="38100" dist="38100" dir="2700000" algn="tl">
-                              <a:srgbClr val="000000">
-                                <a:alpha val="43137"/>
-                              </a:srgbClr>
-                            </a:outerShdw>
-                          </a:effectLst>
-                        </a:rPr>
-                        <a:t>billion</a:t>
+                        <a:t>207 billion</a:t>
                       </a:r>
                       <a:endParaRPr lang="en-US" sz="2800" b="1" i="0" dirty="0">
                         <a:solidFill>
@@ -5657,11 +5578,7 @@
             </a:pPr>
             <a:r>
               <a:rPr lang="en-US" sz="2000" dirty="0" smtClean="0"/>
-              <a:t>Ignores </a:t>
-            </a:r>
-            <a:r>
-              <a:rPr lang="en-US" sz="2000" dirty="0" smtClean="0"/>
-              <a:t>superiorities to each of these existing institutions (see notes).</a:t>
+              <a:t>Ignores superiorities to each of these existing institutions (see notes).</a:t>
             </a:r>
           </a:p>
           <a:p>
@@ -5681,11 +5598,7 @@
             </a:pPr>
             <a:r>
               <a:rPr lang="en-US" sz="2000" dirty="0" smtClean="0"/>
-              <a:t>Ignores Listing Fees paid by </a:t>
-            </a:r>
-            <a:r>
-              <a:rPr lang="en-US" sz="2000" dirty="0" smtClean="0"/>
-              <a:t>Authors (because also ignores Voting Work).</a:t>
+              <a:t>Ignores Listing Fees paid by Authors (because also ignores Voting Work).</a:t>
             </a:r>
             <a:endParaRPr lang="en-US" sz="2000" dirty="0"/>
           </a:p>
@@ -5760,11 +5673,7 @@
             </a:r>
             <a:r>
               <a:rPr lang="en-US" sz="4800" dirty="0" smtClean="0"/>
-              <a:t> </a:t>
-            </a:r>
-            <a:r>
-              <a:rPr lang="en-US" sz="4800" dirty="0" smtClean="0"/>
-              <a:t>It’s all yours!</a:t>
+              <a:t> It’s all yours!</a:t>
             </a:r>
             <a:endParaRPr lang="en-US" sz="4800" strike="sngStrike" dirty="0"/>
           </a:p>
@@ -5921,11 +5830,7 @@
           <a:p>
             <a:r>
               <a:rPr lang="en-US" dirty="0" smtClean="0"/>
-              <a:t>Motivated</a:t>
-            </a:r>
-            <a:r>
-              <a:rPr lang="en-US" dirty="0" smtClean="0"/>
-              <a:t>? Our Current Needs:</a:t>
+              <a:t>Motivated? Our Current Needs:</a:t>
             </a:r>
             <a:endParaRPr lang="en-US" dirty="0"/>
           </a:p>
@@ -5969,11 +5874,7 @@
             </a:pPr>
             <a:r>
               <a:rPr lang="en-US" dirty="0" smtClean="0"/>
-              <a:t>Write </a:t>
-            </a:r>
-            <a:r>
-              <a:rPr lang="en-US" dirty="0" smtClean="0"/>
-              <a:t>code! Comment on the code of others!</a:t>
+              <a:t>Write code! Comment on the code of others!</a:t>
             </a:r>
           </a:p>
           <a:p>
@@ -5993,15 +5894,7 @@
             </a:pPr>
             <a:r>
               <a:rPr lang="en-US" dirty="0" smtClean="0"/>
-              <a:t>Some $$ to guarantee extremely-liquid </a:t>
-            </a:r>
-            <a:r>
-              <a:rPr lang="en-US" dirty="0" smtClean="0"/>
-              <a:t>launch-markets</a:t>
-            </a:r>
-            <a:r>
-              <a:rPr lang="en-US" dirty="0" smtClean="0"/>
-              <a:t>.</a:t>
+              <a:t>Some $$ to guarantee extremely-liquid launch-markets.</a:t>
             </a:r>
           </a:p>
           <a:p>
@@ -6156,11 +6049,7 @@
             <a:pPr lvl="1"/>
             <a:r>
               <a:rPr lang="en-US" baseline="0" dirty="0" smtClean="0"/>
-              <a:t>Recreational speculation (sports, gambling</a:t>
-            </a:r>
-            <a:r>
-              <a:rPr lang="en-US" baseline="0" dirty="0" smtClean="0"/>
-              <a:t>, “fun”, </a:t>
+              <a:t>Recreational speculation (sports, gambling, “fun”, </a:t>
             </a:r>
             <a:r>
               <a:rPr lang="en-US" baseline="0" dirty="0" err="1" smtClean="0"/>
@@ -6175,15 +6064,7 @@
             <a:pPr lvl="1"/>
             <a:r>
               <a:rPr lang="en-US" dirty="0" smtClean="0"/>
-              <a:t>(All </a:t>
-            </a:r>
-            <a:r>
-              <a:rPr lang="en-US" dirty="0" smtClean="0"/>
-              <a:t>ultra-cheap, no arbitrary limits, </a:t>
-            </a:r>
-            <a:r>
-              <a:rPr lang="en-US" dirty="0" smtClean="0"/>
-              <a:t>software-efficient).</a:t>
+              <a:t>(All ultra-cheap, no arbitrary limits, software-efficient).</a:t>
             </a:r>
             <a:endParaRPr lang="en-US" baseline="0" dirty="0" smtClean="0"/>
           </a:p>
@@ -6214,19 +6095,7 @@
             </a:r>
             <a:r>
               <a:rPr lang="en-US" dirty="0" smtClean="0"/>
-              <a:t> is available to </a:t>
-            </a:r>
-            <a:r>
-              <a:rPr lang="en-US" dirty="0" smtClean="0"/>
-              <a:t>owners (investors, volunteer</a:t>
-            </a:r>
-            <a:r>
-              <a:rPr lang="en-US" dirty="0" smtClean="0"/>
-              <a:t>-</a:t>
-            </a:r>
-            <a:r>
-              <a:rPr lang="en-US" dirty="0" smtClean="0"/>
-              <a:t>programmers)?</a:t>
+              <a:t> is available to owners (investors, volunteer-programmers)?</a:t>
             </a:r>
             <a:endParaRPr lang="en-US" b="1" dirty="0" smtClean="0">
               <a:solidFill>
@@ -6387,17 +6256,8 @@
             </a:pPr>
             <a:r>
               <a:rPr lang="en-US" sz="3600" dirty="0" smtClean="0"/>
-              <a:t>“What </a:t>
-            </a:r>
-            <a:r>
-              <a:rPr lang="en-US" sz="3600" dirty="0" smtClean="0"/>
-              <a:t>produces </a:t>
-            </a:r>
-            <a:r>
-              <a:rPr lang="en-US" sz="3600" dirty="0" smtClean="0"/>
-              <a:t>the return?” (4 slides)</a:t>
-            </a:r>
-            <a:endParaRPr lang="en-US" sz="3600" dirty="0" smtClean="0"/>
+              <a:t>“What produces the return?” (4 slides)</a:t>
+            </a:r>
           </a:p>
           <a:p>
             <a:pPr marL="914400" lvl="1" indent="-514350">
@@ -6406,13 +6266,8 @@
             </a:pPr>
             <a:r>
               <a:rPr lang="en-US" sz="2400" dirty="0" smtClean="0"/>
-              <a:t>Not the coin itself (giving that away</a:t>
-            </a:r>
-            <a:r>
-              <a:rPr lang="en-US" sz="2400" dirty="0" smtClean="0"/>
-              <a:t>).</a:t>
-            </a:r>
-            <a:endParaRPr lang="en-US" sz="2400" dirty="0" smtClean="0"/>
+              <a:t>Not the coin itself (giving that away).</a:t>
+            </a:r>
           </a:p>
           <a:p>
             <a:pPr marL="914400" lvl="1" indent="-514350">
@@ -6443,7 +6298,6 @@
               <a:rPr lang="en-US" sz="3600" dirty="0" smtClean="0"/>
               <a:t>Robustness to Competition (1 slide).</a:t>
             </a:r>
-            <a:endParaRPr lang="en-US" sz="3600" dirty="0" smtClean="0"/>
           </a:p>
           <a:p>
             <a:pPr marL="514350" indent="-514350">
@@ -6523,11 +6377,7 @@
           <a:p>
             <a:r>
               <a:rPr lang="en-US" dirty="0" smtClean="0"/>
-              <a:t>[1] Where’s </a:t>
-            </a:r>
-            <a:r>
-              <a:rPr lang="en-US" dirty="0" smtClean="0"/>
-              <a:t>that return coming from?</a:t>
+              <a:t>[1] Where’s that return coming from?</a:t>
             </a:r>
             <a:endParaRPr lang="en-US" dirty="0"/>
           </a:p>
@@ -6546,7 +6396,7 @@
         <p:spPr>
           <a:xfrm>
             <a:off x="457200" y="1600200"/>
-            <a:ext cx="8229600" cy="4800600"/>
+            <a:ext cx="8229600" cy="5105400"/>
           </a:xfrm>
         </p:spPr>
         <p:txBody>
@@ -6577,7 +6427,6 @@
               <a:rPr lang="en-US" dirty="0" smtClean="0"/>
               <a:t>.</a:t>
             </a:r>
-            <a:endParaRPr lang="en-US" dirty="0" smtClean="0"/>
           </a:p>
           <a:p>
             <a:endParaRPr lang="en-US" sz="2400" dirty="0"/>
@@ -6585,29 +6434,8 @@
           <a:p>
             <a:r>
               <a:rPr lang="en-US" sz="2400" dirty="0" smtClean="0"/>
-              <a:t>(</a:t>
-            </a:r>
-            <a:r>
-              <a:rPr lang="en-US" sz="2400" dirty="0" smtClean="0"/>
-              <a:t>Give </a:t>
-            </a:r>
-            <a:r>
-              <a:rPr lang="en-US" sz="2400" dirty="0" smtClean="0"/>
-              <a:t>100% of “</a:t>
-            </a:r>
-            <a:r>
-              <a:rPr lang="en-US" sz="2400" dirty="0" smtClean="0"/>
-              <a:t>Cash” </a:t>
-            </a:r>
-            <a:r>
-              <a:rPr lang="en-US" sz="2400" dirty="0" smtClean="0"/>
-              <a:t>to </a:t>
-            </a:r>
-            <a:r>
-              <a:rPr lang="en-US" sz="2400" dirty="0" smtClean="0"/>
-              <a:t>Bitcoin-owners).</a:t>
-            </a:r>
-            <a:endParaRPr lang="en-US" sz="2400" dirty="0" smtClean="0"/>
+              <a:t>(Give 100% of “Cash” to Bitcoin-owners).</a:t>
+            </a:r>
           </a:p>
           <a:p>
             <a:pPr lvl="1"/>
@@ -6647,6 +6475,13 @@
             <a:r>
               <a:rPr lang="en-US" sz="2000" dirty="0" smtClean="0"/>
               <a:t>” not to do this.</a:t>
+            </a:r>
+          </a:p>
+          <a:p>
+            <a:pPr lvl="1"/>
+            <a:r>
+              <a:rPr lang="en-US" sz="2000" dirty="0" smtClean="0"/>
+              <a:t>Can do this in two phases (“testing phase” and “launch phase”).</a:t>
             </a:r>
           </a:p>
           <a:p>
@@ -6753,8 +6588,8 @@
         </p:nvSpPr>
         <p:spPr>
           <a:xfrm>
-            <a:off x="2743201" y="4605188"/>
-            <a:ext cx="438710" cy="48653"/>
+            <a:off x="2743201" y="4585930"/>
+            <a:ext cx="438710" cy="67911"/>
           </a:xfrm>
           <a:prstGeom prst="rect">
             <a:avLst/>
@@ -7240,11 +7075,7 @@
           <a:p>
             <a:r>
               <a:rPr lang="en-US" sz="2400" b="1" dirty="0" smtClean="0"/>
-              <a:t>Owners </a:t>
-            </a:r>
-            <a:r>
-              <a:rPr lang="en-US" sz="2400" b="1" dirty="0" smtClean="0"/>
-              <a:t>(“Cash”)</a:t>
+              <a:t>Owners (“Cash”)</a:t>
             </a:r>
             <a:endParaRPr lang="en-US" sz="2400" b="1" dirty="0"/>
           </a:p>
@@ -10298,6 +10129,9 @@
           <a:prstGeom prst="rect">
             <a:avLst/>
           </a:prstGeom>
+          <a:effectLst>
+            <a:softEdge rad="31750"/>
+          </a:effectLst>
         </p:spPr>
         <p:style>
           <a:lnRef idx="2">
@@ -10425,6 +10259,7 @@
             <a:solidFill>
               <a:schemeClr val="tx1"/>
             </a:solidFill>
+            <a:prstDash val="dashDot"/>
           </a:ln>
         </p:spPr>
         <p:style>
@@ -11822,7 +11657,7 @@
         </p:nvSpPr>
         <p:spPr>
           <a:xfrm>
-            <a:off x="6646769" y="5240805"/>
+            <a:off x="6646769" y="5251278"/>
             <a:ext cx="212912" cy="82722"/>
           </a:xfrm>
           <a:prstGeom prst="rect">
@@ -11912,7 +11747,7 @@
         </p:nvCxnSpPr>
         <p:spPr>
           <a:xfrm flipH="1">
-            <a:off x="6753225" y="4140797"/>
+            <a:off x="6753225" y="4151270"/>
             <a:ext cx="46392" cy="1100008"/>
           </a:xfrm>
           <a:prstGeom prst="line">
@@ -14007,7 +13842,7 @@
         </p:nvSpPr>
         <p:spPr>
           <a:xfrm>
-            <a:off x="7806157" y="4987412"/>
+            <a:off x="7806157" y="4998578"/>
             <a:ext cx="212912" cy="82722"/>
           </a:xfrm>
           <a:prstGeom prst="rect">
@@ -15796,22 +15631,13 @@
           <a:p>
             <a:r>
               <a:rPr lang="en-US" dirty="0" smtClean="0"/>
-              <a:t>-</a:t>
-            </a:r>
+              <a:t>-Trust / Network Effect </a:t>
+            </a:r>
+          </a:p>
+          <a:p>
             <a:r>
               <a:rPr lang="en-US" dirty="0" smtClean="0"/>
-              <a:t>Trust / Network Effect </a:t>
-            </a:r>
-            <a:endParaRPr lang="en-US" dirty="0" smtClean="0"/>
-          </a:p>
-          <a:p>
-            <a:r>
-              <a:rPr lang="en-US" dirty="0" smtClean="0"/>
-              <a:t>-</a:t>
-            </a:r>
-            <a:r>
-              <a:rPr lang="en-US" dirty="0" smtClean="0"/>
-              <a:t>Uniqueness (consensus &amp; digital scarcity)</a:t>
+              <a:t>-Uniqueness (consensus &amp; digital scarcity)</a:t>
             </a:r>
             <a:endParaRPr lang="en-US" dirty="0"/>
           </a:p>
@@ -15920,15 +15746,7 @@
           <a:p>
             <a:r>
               <a:rPr lang="en-US" dirty="0" smtClean="0"/>
-              <a:t>[1] What </a:t>
-            </a:r>
-            <a:r>
-              <a:rPr lang="en-US" dirty="0" smtClean="0"/>
-              <a:t>fraction of Trading </a:t>
-            </a:r>
-            <a:r>
-              <a:rPr lang="en-US" dirty="0" smtClean="0"/>
-              <a:t>Volume?</a:t>
+              <a:t>[1] What fraction of Trading Volume?</a:t>
             </a:r>
             <a:endParaRPr lang="en-US" dirty="0"/>
           </a:p>
@@ -16131,71 +15949,35 @@
           <a:p>
             <a:r>
               <a:rPr lang="en-US" sz="2800" dirty="0" smtClean="0"/>
-              <a:t>Tech Network </a:t>
-            </a:r>
+              <a:t>Tech Network Effects</a:t>
+            </a:r>
+          </a:p>
+          <a:p>
+            <a:pPr lvl="1"/>
+            <a:r>
+              <a:rPr lang="en-US" sz="2400" dirty="0" smtClean="0"/>
+              <a:t>Money (once established, near-unbreakable).</a:t>
+            </a:r>
+          </a:p>
+          <a:p>
+            <a:pPr lvl="1"/>
+            <a:r>
+              <a:rPr lang="en-US" sz="2400" dirty="0" smtClean="0"/>
+              <a:t>Competitors Must Prove Non-Fraud (uniqueness / digital-scarcity problem).</a:t>
+            </a:r>
+          </a:p>
+          <a:p>
+            <a:pPr lvl="1"/>
+            <a:r>
+              <a:rPr lang="en-US" sz="2400" dirty="0" smtClean="0"/>
+              <a:t>Fight drives profits down (still &gt;0?).</a:t>
+            </a:r>
+          </a:p>
+          <a:p>
             <a:r>
               <a:rPr lang="en-US" sz="2800" dirty="0" smtClean="0"/>
-              <a:t>Effects</a:t>
-            </a:r>
-          </a:p>
-          <a:p>
-            <a:pPr lvl="1"/>
-            <a:r>
-              <a:rPr lang="en-US" sz="2400" dirty="0" smtClean="0"/>
-              <a:t>Money (once established, near-unbreakable</a:t>
-            </a:r>
-            <a:r>
-              <a:rPr lang="en-US" sz="2400" dirty="0" smtClean="0"/>
-              <a:t>).</a:t>
-            </a:r>
-            <a:endParaRPr lang="en-US" sz="2400" dirty="0" smtClean="0"/>
-          </a:p>
-          <a:p>
-            <a:pPr lvl="1"/>
-            <a:r>
-              <a:rPr lang="en-US" sz="2400" dirty="0" smtClean="0"/>
-              <a:t>Competitors Must Prove </a:t>
-            </a:r>
-            <a:r>
-              <a:rPr lang="en-US" sz="2400" dirty="0" smtClean="0"/>
-              <a:t>N</a:t>
-            </a:r>
-            <a:r>
-              <a:rPr lang="en-US" sz="2400" dirty="0" smtClean="0"/>
-              <a:t>on-Fraud </a:t>
-            </a:r>
-            <a:r>
-              <a:rPr lang="en-US" sz="2400" dirty="0" smtClean="0"/>
-              <a:t>(uniqueness / digital-scarcity problem).</a:t>
-            </a:r>
-            <a:endParaRPr lang="en-US" sz="2400" dirty="0" smtClean="0"/>
-          </a:p>
-          <a:p>
-            <a:pPr lvl="1"/>
-            <a:r>
-              <a:rPr lang="en-US" sz="2400" dirty="0" smtClean="0"/>
-              <a:t>Fight drives profits </a:t>
-            </a:r>
-            <a:r>
-              <a:rPr lang="en-US" sz="2400" dirty="0" smtClean="0"/>
-              <a:t>down (still &gt;0?).</a:t>
-            </a:r>
-            <a:endParaRPr lang="en-US" sz="2400" dirty="0" smtClean="0"/>
-          </a:p>
-          <a:p>
-            <a:r>
-              <a:rPr lang="en-US" sz="2800" dirty="0" smtClean="0"/>
-              <a:t>Legal prediction </a:t>
-            </a:r>
-            <a:r>
-              <a:rPr lang="en-US" sz="2800" dirty="0" smtClean="0"/>
-              <a:t>markets (not </a:t>
-            </a:r>
-            <a:r>
-              <a:rPr lang="en-US" sz="2800" dirty="0" smtClean="0"/>
-              <a:t>happening).</a:t>
-            </a:r>
-            <a:endParaRPr lang="en-US" sz="2800" dirty="0" smtClean="0"/>
+              <a:t>Legal prediction markets (not happening).</a:t>
+            </a:r>
           </a:p>
         </p:txBody>
       </p:sp>
@@ -16352,11 +16134,7 @@
           <a:p>
             <a:r>
               <a:rPr lang="en-US" dirty="0" smtClean="0"/>
-              <a:t>[2] Competition </a:t>
-            </a:r>
-            <a:r>
-              <a:rPr lang="en-US" dirty="0" smtClean="0"/>
-              <a:t>(Lack Thereof)</a:t>
+              <a:t>[2] Competition (Lack Thereof)</a:t>
             </a:r>
             <a:endParaRPr lang="en-US" dirty="0"/>
           </a:p>
@@ -16421,11 +16199,7 @@
           <a:p>
             <a:r>
               <a:rPr lang="en-US" dirty="0" smtClean="0"/>
-              <a:t>[3] Beyond </a:t>
-            </a:r>
-            <a:r>
-              <a:rPr lang="en-US" dirty="0" smtClean="0"/>
-              <a:t>Prediction</a:t>
+              <a:t>[3] Beyond Prediction</a:t>
             </a:r>
             <a:endParaRPr lang="en-US" dirty="0"/>
           </a:p>
@@ -16440,14 +16214,14 @@
           <p:nvPr>
             <p:extLst>
               <p:ext uri="{D42A27DB-BD31-4B8C-83A1-F6EECF244321}">
-                <p14:modId xmlns:p14="http://schemas.microsoft.com/office/powerpoint/2010/main" val="1920912664"/>
+                <p14:modId xmlns:p14="http://schemas.microsoft.com/office/powerpoint/2010/main" val="1172623424"/>
               </p:ext>
             </p:extLst>
           </p:nvPr>
         </p:nvGraphicFramePr>
         <p:xfrm>
           <a:off x="533400" y="1066800"/>
-          <a:ext cx="8001001" cy="5228032"/>
+          <a:ext cx="8001001" cy="5471872"/>
         </p:xfrm>
         <a:graphic>
           <a:graphicData uri="http://schemas.openxmlformats.org/drawingml/2006/table">
@@ -16490,7 +16264,7 @@
                   <a:tcPr/>
                 </a:tc>
               </a:tr>
-              <a:tr h="1219200">
+              <a:tr h="838200">
                 <a:tc>
                   <a:txBody>
                     <a:bodyPr/>
@@ -16498,19 +16272,15 @@
                     <a:p>
                       <a:r>
                         <a:rPr lang="en-US" dirty="0" smtClean="0"/>
-                        <a:t>1. </a:t>
+                        <a:t>1. “</a:t>
                       </a:r>
                       <a:r>
-                        <a:rPr lang="en-US" baseline="0" dirty="0" smtClean="0"/>
-                        <a:t>PMs denominated in USD (P2P </a:t>
+                        <a:rPr lang="en-US" dirty="0" err="1" smtClean="0"/>
+                        <a:t>BitUSD</a:t>
                       </a:r>
                       <a:r>
-                        <a:rPr lang="en-US" baseline="0" dirty="0" smtClean="0"/>
-                        <a:t>Exchange</a:t>
-                      </a:r>
-                      <a:r>
-                        <a:rPr lang="en-US" baseline="0" dirty="0" smtClean="0"/>
-                        <a:t>, Financial Portfolios)</a:t>
+                        <a:rPr lang="en-US" dirty="0" smtClean="0"/>
+                        <a:t>”</a:t>
                       </a:r>
                       <a:endParaRPr lang="en-US" dirty="0"/>
                     </a:p>
@@ -16524,16 +16294,8 @@
                     <a:p>
                       <a:pPr algn="ctr"/>
                       <a:r>
-                        <a:rPr lang="en-US" u="none" dirty="0" smtClean="0"/>
-                        <a:t>Augment:</a:t>
-                      </a:r>
-                      <a:r>
-                        <a:rPr lang="en-US" u="none" baseline="0" dirty="0" smtClean="0"/>
-                        <a:t> </a:t>
-                      </a:r>
-                      <a:r>
                         <a:rPr lang="en-US" u="sng" dirty="0" smtClean="0"/>
-                        <a:t>BTC/USD Exchange Rate</a:t>
+                        <a:t>TRU/USD Exchange Rate</a:t>
                       </a:r>
                       <a:endParaRPr lang="en-US" u="none" dirty="0" smtClean="0"/>
                     </a:p>
@@ -16551,7 +16313,11 @@
                         <a:rPr lang="en-US" b="1" baseline="0" dirty="0" smtClean="0"/>
                         <a:t> D</a:t>
                       </a:r>
-                      <a:endParaRPr lang="en-US" b="1" dirty="0"/>
+                      <a:r>
+                        <a:rPr lang="en-US" b="0" baseline="0" dirty="0" smtClean="0"/>
+                        <a:t>.</a:t>
+                      </a:r>
+                      <a:endParaRPr lang="en-US" b="0" dirty="0"/>
                     </a:p>
                   </a:txBody>
                   <a:tcPr anchor="ctr"/>
@@ -16568,16 +16334,8 @@
                         <a:t>2. </a:t>
                       </a:r>
                       <a:r>
-                        <a:rPr lang="en-US" dirty="0" err="1" smtClean="0"/>
-                        <a:t>CoinJoin</a:t>
-                      </a:r>
-                      <a:r>
-                        <a:rPr lang="en-US" dirty="0" smtClean="0"/>
-                        <a:t> </a:t>
-                      </a:r>
-                      <a:r>
-                        <a:rPr lang="en-US" dirty="0" smtClean="0"/>
-                        <a:t>/ Mixing</a:t>
+                        <a:rPr lang="en-US" baseline="0" dirty="0" smtClean="0"/>
+                        <a:t>PMs denominated in USD (P2P Exchange, Financial Portfolios)</a:t>
                       </a:r>
                       <a:endParaRPr lang="en-US" dirty="0"/>
                     </a:p>
@@ -16589,42 +16347,33 @@
                     <a:bodyPr/>
                     <a:lstStyle/>
                     <a:p>
-                      <a:pPr marL="0" marR="0" indent="0" algn="ctr" defTabSz="914400" rtl="0" eaLnBrk="1" fontAlgn="auto" latinLnBrk="0" hangingPunct="1">
-                        <a:lnSpc>
-                          <a:spcPct val="100000"/>
-                        </a:lnSpc>
-                        <a:spcBef>
-                          <a:spcPts val="0"/>
-                        </a:spcBef>
-                        <a:spcAft>
-                          <a:spcPts val="0"/>
-                        </a:spcAft>
-                        <a:buClrTx/>
-                        <a:buSzTx/>
-                        <a:buFontTx/>
-                        <a:buNone/>
-                        <a:tabLst/>
-                        <a:defRPr/>
-                      </a:pPr>
+                      <a:pPr algn="ctr"/>
                       <a:r>
                         <a:rPr lang="en-US" u="sng" dirty="0" smtClean="0"/>
-                        <a:t>This market expires in State 1 </a:t>
+                        <a:t>TRU/USD Exchange Rate</a:t>
+                      </a:r>
+                      <a:endParaRPr lang="en-US" u="none" dirty="0" smtClean="0"/>
+                    </a:p>
+                    <a:p>
+                      <a:pPr algn="ctr"/>
+                      <a:r>
+                        <a:rPr lang="en-US" dirty="0" smtClean="0"/>
+                        <a:t>on </a:t>
                       </a:r>
                       <a:r>
-                        <a:rPr lang="en-US" dirty="0" smtClean="0"/>
-                        <a:t>at</a:t>
-                      </a:r>
-                      <a:r>
-                        <a:rPr lang="en-US" baseline="0" dirty="0" smtClean="0"/>
-                        <a:t> </a:t>
+                        <a:rPr lang="en-US" b="1" dirty="0" smtClean="0"/>
+                        <a:t>Date</a:t>
                       </a:r>
                       <a:r>
                         <a:rPr lang="en-US" b="1" baseline="0" dirty="0" smtClean="0"/>
-                        <a:t>Time T</a:t>
+                        <a:t> D</a:t>
                       </a:r>
+                    </a:p>
+                    <a:p>
+                      <a:pPr algn="ctr"/>
                       <a:r>
-                        <a:rPr lang="en-US" baseline="0" dirty="0" smtClean="0"/>
-                        <a:t>.</a:t>
+                        <a:rPr lang="en-US" b="0" i="1" baseline="0" dirty="0" smtClean="0"/>
+                        <a:t>X</a:t>
                       </a:r>
                     </a:p>
                     <a:p>
@@ -16646,14 +16395,42 @@
                         <a:defRPr/>
                       </a:pPr>
                       <a:r>
-                        <a:rPr lang="en-US" baseline="0" dirty="0" smtClean="0"/>
-                        <a:t>(“Mixer Branch”: </a:t>
+                        <a:rPr lang="en-US" u="sng" dirty="0" smtClean="0"/>
+                        <a:t>Hillary Clinton to win US President</a:t>
+                      </a:r>
+                      <a:endParaRPr lang="en-US" u="none" baseline="0" dirty="0" smtClean="0"/>
+                    </a:p>
+                    <a:p>
+                      <a:pPr marL="0" marR="0" indent="0" algn="ctr" defTabSz="914400" rtl="0" eaLnBrk="1" fontAlgn="auto" latinLnBrk="0" hangingPunct="1">
+                        <a:lnSpc>
+                          <a:spcPct val="100000"/>
+                        </a:lnSpc>
+                        <a:spcBef>
+                          <a:spcPts val="0"/>
+                        </a:spcBef>
+                        <a:spcAft>
+                          <a:spcPts val="0"/>
+                        </a:spcAft>
+                        <a:buClrTx/>
+                        <a:buSzTx/>
+                        <a:buFontTx/>
+                        <a:buNone/>
+                        <a:tabLst/>
+                        <a:defRPr/>
+                      </a:pPr>
+                      <a:r>
+                        <a:rPr lang="en-US" u="none" baseline="0" dirty="0" smtClean="0"/>
+                        <a:t>in </a:t>
                       </a:r>
                       <a:r>
-                        <a:rPr lang="en-US" baseline="0" dirty="0" smtClean="0"/>
-                        <a:t>Daily Markets, ultra-low fees)</a:t>
+                        <a:rPr lang="en-US" b="1" u="none" baseline="0" dirty="0" smtClean="0"/>
+                        <a:t>Nov 2016</a:t>
                       </a:r>
-                      <a:endParaRPr lang="en-US" dirty="0" smtClean="0"/>
+                      <a:r>
+                        <a:rPr lang="en-US" b="0" u="none" baseline="0" dirty="0" smtClean="0"/>
+                        <a:t>.</a:t>
+                      </a:r>
+                      <a:endParaRPr lang="en-US" b="0" u="none" dirty="0" smtClean="0"/>
                     </a:p>
                   </a:txBody>
                   <a:tcPr anchor="ctr"/>
@@ -16757,11 +16534,7 @@
                       </a:r>
                       <a:r>
                         <a:rPr lang="en-US" u="sng" baseline="0" dirty="0" smtClean="0"/>
-                        <a:t> </a:t>
-                      </a:r>
-                      <a:r>
-                        <a:rPr lang="en-US" u="sng" baseline="0" dirty="0" smtClean="0"/>
-                        <a:t>X</a:t>
+                        <a:t> X</a:t>
                       </a:r>
                       <a:endParaRPr lang="en-US" u="none" baseline="0" dirty="0" smtClean="0"/>
                     </a:p>
@@ -16781,25 +16554,16 @@
                       <a:pPr algn="ctr"/>
                       <a:r>
                         <a:rPr lang="en-US" baseline="0" dirty="0" smtClean="0"/>
-                        <a:t>to </a:t>
-                      </a:r>
-                      <a:r>
-                        <a:rPr lang="en-US" baseline="0" dirty="0" smtClean="0"/>
-                        <a:t>occur </a:t>
+                        <a:t>to occur </a:t>
                       </a:r>
                       <a:r>
                         <a:rPr lang="en-US" b="1" baseline="0" dirty="0" smtClean="0"/>
-                        <a:t>on or before Date </a:t>
-                      </a:r>
-                      <a:r>
-                        <a:rPr lang="en-US" b="1" baseline="0" dirty="0" smtClean="0"/>
-                        <a:t>D</a:t>
+                        <a:t>on or before Date D</a:t>
                       </a:r>
                       <a:r>
                         <a:rPr lang="en-US" b="0" baseline="0" dirty="0" smtClean="0"/>
                         <a:t>.</a:t>
                       </a:r>
-                      <a:endParaRPr lang="en-US" b="0" baseline="0" dirty="0" smtClean="0"/>
                     </a:p>
                   </a:txBody>
                   <a:tcPr anchor="ctr"/>
@@ -16813,11 +16577,7 @@
                     <a:p>
                       <a:r>
                         <a:rPr lang="en-US" dirty="0" smtClean="0"/>
-                        <a:t>5. </a:t>
-                      </a:r>
-                      <a:r>
-                        <a:rPr lang="en-US" dirty="0" smtClean="0"/>
-                        <a:t>Gambling</a:t>
+                        <a:t>5. Gambling</a:t>
                       </a:r>
                       <a:endParaRPr lang="en-US" dirty="0"/>
                     </a:p>
@@ -16849,7 +16609,6 @@
                         <a:rPr lang="en-US" baseline="0" dirty="0" smtClean="0"/>
                         <a:t>.</a:t>
                       </a:r>
-                      <a:endParaRPr lang="en-US" baseline="0" dirty="0" smtClean="0"/>
                     </a:p>
                   </a:txBody>
                   <a:tcPr anchor="ctr"/>

--- a/docs/TruthcoinValuable.pptx
+++ b/docs/TruthcoinValuable.pptx
@@ -5,7 +5,7 @@
     <p:sldMasterId id="2147483648" r:id="rId1"/>
   </p:sldMasterIdLst>
   <p:notesMasterIdLst>
-    <p:notesMasterId r:id="rId14"/>
+    <p:notesMasterId r:id="rId15"/>
   </p:notesMasterIdLst>
   <p:sldIdLst>
     <p:sldId id="256" r:id="rId2"/>
@@ -19,7 +19,8 @@
     <p:sldId id="270" r:id="rId10"/>
     <p:sldId id="263" r:id="rId11"/>
     <p:sldId id="264" r:id="rId12"/>
-    <p:sldId id="266" r:id="rId13"/>
+    <p:sldId id="271" r:id="rId13"/>
+    <p:sldId id="266" r:id="rId14"/>
   </p:sldIdLst>
   <p:sldSz cx="9144000" cy="6858000" type="screen4x3"/>
   <p:notesSz cx="6858000" cy="9144000"/>
@@ -203,7 +204,7 @@
           <a:p>
             <a:fld id="{0CD9068B-E502-4164-A44C-A6BD5A85D685}" type="datetimeFigureOut">
               <a:rPr lang="en-US" smtClean="0"/>
-              <a:t>7/4/2014</a:t>
+              <a:t>7/31/2014</a:t>
             </a:fld>
             <a:endParaRPr lang="en-US"/>
           </a:p>
@@ -606,7 +607,7 @@
           <a:bodyPr/>
           <a:lstStyle/>
           <a:p>
-            <a:endParaRPr lang="en-US" dirty="0"/>
+            <a:endParaRPr lang="en-US"/>
           </a:p>
         </p:txBody>
       </p:sp>
@@ -628,6 +629,90 @@
             <a:fld id="{5DAD58D3-D677-4608-B555-709652B061F7}" type="slidenum">
               <a:rPr lang="en-US" smtClean="0"/>
               <a:t>12</a:t>
+            </a:fld>
+            <a:endParaRPr lang="en-US"/>
+          </a:p>
+        </p:txBody>
+      </p:sp>
+    </p:spTree>
+    <p:extLst>
+      <p:ext uri="{BB962C8B-B14F-4D97-AF65-F5344CB8AC3E}">
+        <p14:creationId xmlns:p14="http://schemas.microsoft.com/office/powerpoint/2010/main" val="2663821236"/>
+      </p:ext>
+    </p:extLst>
+  </p:cSld>
+  <p:clrMapOvr>
+    <a:masterClrMapping/>
+  </p:clrMapOvr>
+</p:notes>
+</file>
+
+<file path=ppt/notesSlides/notesSlide11.xml><?xml version="1.0" encoding="utf-8"?>
+<p:notes xmlns:a="http://schemas.openxmlformats.org/drawingml/2006/main" xmlns:r="http://schemas.openxmlformats.org/officeDocument/2006/relationships" xmlns:p="http://schemas.openxmlformats.org/presentationml/2006/main">
+  <p:cSld>
+    <p:spTree>
+      <p:nvGrpSpPr>
+        <p:cNvPr id="1" name=""/>
+        <p:cNvGrpSpPr/>
+        <p:nvPr/>
+      </p:nvGrpSpPr>
+      <p:grpSpPr>
+        <a:xfrm>
+          <a:off x="0" y="0"/>
+          <a:ext cx="0" cy="0"/>
+          <a:chOff x="0" y="0"/>
+          <a:chExt cx="0" cy="0"/>
+        </a:xfrm>
+      </p:grpSpPr>
+      <p:sp>
+        <p:nvSpPr>
+          <p:cNvPr id="2" name="Slide Image Placeholder 1"/>
+          <p:cNvSpPr>
+            <a:spLocks noGrp="1" noRot="1" noChangeAspect="1"/>
+          </p:cNvSpPr>
+          <p:nvPr>
+            <p:ph type="sldImg"/>
+          </p:nvPr>
+        </p:nvSpPr>
+        <p:spPr/>
+      </p:sp>
+      <p:sp>
+        <p:nvSpPr>
+          <p:cNvPr id="3" name="Notes Placeholder 2"/>
+          <p:cNvSpPr>
+            <a:spLocks noGrp="1"/>
+          </p:cNvSpPr>
+          <p:nvPr>
+            <p:ph type="body" idx="1"/>
+          </p:nvPr>
+        </p:nvSpPr>
+        <p:spPr/>
+        <p:txBody>
+          <a:bodyPr/>
+          <a:lstStyle/>
+          <a:p>
+            <a:endParaRPr lang="en-US" dirty="0"/>
+          </a:p>
+        </p:txBody>
+      </p:sp>
+      <p:sp>
+        <p:nvSpPr>
+          <p:cNvPr id="4" name="Slide Number Placeholder 3"/>
+          <p:cNvSpPr>
+            <a:spLocks noGrp="1"/>
+          </p:cNvSpPr>
+          <p:nvPr>
+            <p:ph type="sldNum" sz="quarter" idx="10"/>
+          </p:nvPr>
+        </p:nvSpPr>
+        <p:spPr/>
+        <p:txBody>
+          <a:bodyPr/>
+          <a:lstStyle/>
+          <a:p>
+            <a:fld id="{5DAD58D3-D677-4608-B555-709652B061F7}" type="slidenum">
+              <a:rPr lang="en-US" smtClean="0"/>
+              <a:t>13</a:t>
             </a:fld>
             <a:endParaRPr lang="en-US"/>
           </a:p>
@@ -2076,7 +2161,7 @@
           <a:p>
             <a:fld id="{2E39D0DA-D252-458A-A417-A695DDB9074F}" type="datetimeFigureOut">
               <a:rPr lang="en-US" smtClean="0"/>
-              <a:t>7/4/2014</a:t>
+              <a:t>7/31/2014</a:t>
             </a:fld>
             <a:endParaRPr lang="en-US"/>
           </a:p>
@@ -2246,7 +2331,7 @@
           <a:p>
             <a:fld id="{2E39D0DA-D252-458A-A417-A695DDB9074F}" type="datetimeFigureOut">
               <a:rPr lang="en-US" smtClean="0"/>
-              <a:t>7/4/2014</a:t>
+              <a:t>7/31/2014</a:t>
             </a:fld>
             <a:endParaRPr lang="en-US"/>
           </a:p>
@@ -2426,7 +2511,7 @@
           <a:p>
             <a:fld id="{2E39D0DA-D252-458A-A417-A695DDB9074F}" type="datetimeFigureOut">
               <a:rPr lang="en-US" smtClean="0"/>
-              <a:t>7/4/2014</a:t>
+              <a:t>7/31/2014</a:t>
             </a:fld>
             <a:endParaRPr lang="en-US"/>
           </a:p>
@@ -2600,7 +2685,7 @@
           <a:p>
             <a:fld id="{2E39D0DA-D252-458A-A417-A695DDB9074F}" type="datetimeFigureOut">
               <a:rPr lang="en-US" smtClean="0"/>
-              <a:t>7/4/2014</a:t>
+              <a:t>7/31/2014</a:t>
             </a:fld>
             <a:endParaRPr lang="en-US"/>
           </a:p>
@@ -2846,7 +2931,7 @@
           <a:p>
             <a:fld id="{2E39D0DA-D252-458A-A417-A695DDB9074F}" type="datetimeFigureOut">
               <a:rPr lang="en-US" smtClean="0"/>
-              <a:t>7/4/2014</a:t>
+              <a:t>7/31/2014</a:t>
             </a:fld>
             <a:endParaRPr lang="en-US"/>
           </a:p>
@@ -3134,7 +3219,7 @@
           <a:p>
             <a:fld id="{2E39D0DA-D252-458A-A417-A695DDB9074F}" type="datetimeFigureOut">
               <a:rPr lang="en-US" smtClean="0"/>
-              <a:t>7/4/2014</a:t>
+              <a:t>7/31/2014</a:t>
             </a:fld>
             <a:endParaRPr lang="en-US"/>
           </a:p>
@@ -3556,7 +3641,7 @@
           <a:p>
             <a:fld id="{2E39D0DA-D252-458A-A417-A695DDB9074F}" type="datetimeFigureOut">
               <a:rPr lang="en-US" smtClean="0"/>
-              <a:t>7/4/2014</a:t>
+              <a:t>7/31/2014</a:t>
             </a:fld>
             <a:endParaRPr lang="en-US"/>
           </a:p>
@@ -3674,7 +3759,7 @@
           <a:p>
             <a:fld id="{2E39D0DA-D252-458A-A417-A695DDB9074F}" type="datetimeFigureOut">
               <a:rPr lang="en-US" smtClean="0"/>
-              <a:t>7/4/2014</a:t>
+              <a:t>7/31/2014</a:t>
             </a:fld>
             <a:endParaRPr lang="en-US"/>
           </a:p>
@@ -3769,7 +3854,7 @@
           <a:p>
             <a:fld id="{2E39D0DA-D252-458A-A417-A695DDB9074F}" type="datetimeFigureOut">
               <a:rPr lang="en-US" smtClean="0"/>
-              <a:t>7/4/2014</a:t>
+              <a:t>7/31/2014</a:t>
             </a:fld>
             <a:endParaRPr lang="en-US"/>
           </a:p>
@@ -4046,7 +4131,7 @@
           <a:p>
             <a:fld id="{2E39D0DA-D252-458A-A417-A695DDB9074F}" type="datetimeFigureOut">
               <a:rPr lang="en-US" smtClean="0"/>
-              <a:t>7/4/2014</a:t>
+              <a:t>7/31/2014</a:t>
             </a:fld>
             <a:endParaRPr lang="en-US"/>
           </a:p>
@@ -4299,7 +4384,7 @@
           <a:p>
             <a:fld id="{2E39D0DA-D252-458A-A417-A695DDB9074F}" type="datetimeFigureOut">
               <a:rPr lang="en-US" smtClean="0"/>
-              <a:t>7/4/2014</a:t>
+              <a:t>7/31/2014</a:t>
             </a:fld>
             <a:endParaRPr lang="en-US"/>
           </a:p>
@@ -4512,7 +4597,7 @@
           <a:p>
             <a:fld id="{2E39D0DA-D252-458A-A417-A695DDB9074F}" type="datetimeFigureOut">
               <a:rPr lang="en-US" smtClean="0"/>
-              <a:t>7/4/2014</a:t>
+              <a:t>7/31/2014</a:t>
             </a:fld>
             <a:endParaRPr lang="en-US"/>
           </a:p>
@@ -4939,8 +5024,17 @@
           <a:p>
             <a:r>
               <a:rPr lang="en-US" sz="1800" dirty="0" smtClean="0"/>
-              <a:t>v0.2 – 7/3/2014</a:t>
-            </a:r>
+              <a:t>v0.3 </a:t>
+            </a:r>
+            <a:r>
+              <a:rPr lang="en-US" sz="1800" dirty="0" smtClean="0"/>
+              <a:t>– </a:t>
+            </a:r>
+            <a:r>
+              <a:rPr lang="en-US" sz="1800" dirty="0" smtClean="0"/>
+              <a:t>7/31/2014</a:t>
+            </a:r>
+            <a:endParaRPr lang="en-US" sz="1800" dirty="0" smtClean="0"/>
           </a:p>
           <a:p>
             <a:r>
@@ -5013,7 +5107,11 @@
           <a:p>
             <a:r>
               <a:rPr lang="en-US" dirty="0" smtClean="0"/>
-              <a:t>[3] Possibilities – “Main Branch”</a:t>
+              <a:t>[3] </a:t>
+            </a:r>
+            <a:r>
+              <a:rPr lang="en-US" dirty="0" smtClean="0"/>
+              <a:t>Valuation Possibilities</a:t>
             </a:r>
             <a:endParaRPr lang="en-US" dirty="0"/>
           </a:p>
@@ -5029,14 +5127,14 @@
             <p:ph idx="1"/>
             <p:extLst>
               <p:ext uri="{D42A27DB-BD31-4B8C-83A1-F6EECF244321}">
-                <p14:modId xmlns:p14="http://schemas.microsoft.com/office/powerpoint/2010/main" val="1201545980"/>
+                <p14:modId xmlns:p14="http://schemas.microsoft.com/office/powerpoint/2010/main" val="4007064876"/>
               </p:ext>
             </p:extLst>
           </p:nvPr>
         </p:nvGraphicFramePr>
         <p:xfrm>
           <a:off x="457200" y="1600200"/>
-          <a:ext cx="8229600" cy="2712720"/>
+          <a:ext cx="8229600" cy="2773680"/>
         </p:xfrm>
         <a:graphic>
           <a:graphicData uri="http://schemas.openxmlformats.org/drawingml/2006/table">
@@ -5045,9 +5143,9 @@
                 <a:tableStyleId>{6E25E649-3F16-4E02-A733-19D2CDBF48F0}</a:tableStyleId>
               </a:tblPr>
               <a:tblGrid>
-                <a:gridCol w="1524000"/>
-                <a:gridCol w="2286000"/>
-                <a:gridCol w="2209800"/>
+                <a:gridCol w="1447800"/>
+                <a:gridCol w="2057400"/>
+                <a:gridCol w="2514600"/>
                 <a:gridCol w="2209800"/>
               </a:tblGrid>
               <a:tr h="370840">
@@ -5057,10 +5155,10 @@
                     <a:lstStyle/>
                     <a:p>
                       <a:r>
-                        <a:rPr lang="en-US" dirty="0" smtClean="0"/>
+                        <a:rPr lang="en-US" sz="1800" b="0" dirty="0" smtClean="0"/>
                         <a:t>Possibility</a:t>
                       </a:r>
-                      <a:endParaRPr lang="en-US" dirty="0"/>
+                      <a:endParaRPr lang="en-US" sz="1800" b="0" dirty="0"/>
                     </a:p>
                   </a:txBody>
                   <a:tcPr/>
@@ -5072,14 +5170,14 @@
                     <a:p>
                       <a:pPr algn="ctr"/>
                       <a:r>
-                        <a:rPr lang="en-US" dirty="0" smtClean="0"/>
+                        <a:rPr lang="en-US" sz="1600" b="0" dirty="0" smtClean="0"/>
                         <a:t>Yearly</a:t>
                       </a:r>
                       <a:r>
-                        <a:rPr lang="en-US" baseline="0" dirty="0" smtClean="0"/>
+                        <a:rPr lang="en-US" sz="1600" b="0" baseline="0" dirty="0" smtClean="0"/>
                         <a:t> Trading Volume (in 2013-USD)</a:t>
                       </a:r>
-                      <a:endParaRPr lang="en-US" dirty="0"/>
+                      <a:endParaRPr lang="en-US" sz="1600" b="0" dirty="0"/>
                     </a:p>
                   </a:txBody>
                   <a:tcPr/>
@@ -5192,10 +5290,10 @@
                     <a:lstStyle/>
                     <a:p>
                       <a:r>
-                        <a:rPr lang="en-US" dirty="0" smtClean="0"/>
+                        <a:rPr lang="en-US" sz="1800" dirty="0" smtClean="0"/>
                         <a:t>InTrade</a:t>
                       </a:r>
-                      <a:endParaRPr lang="en-US" dirty="0"/>
+                      <a:endParaRPr lang="en-US" sz="1800" dirty="0"/>
                     </a:p>
                   </a:txBody>
                   <a:tcPr/>
@@ -5207,10 +5305,10 @@
                     <a:p>
                       <a:pPr algn="ctr"/>
                       <a:r>
-                        <a:rPr lang="en-US" sz="2800" dirty="0" smtClean="0"/>
+                        <a:rPr lang="en-US" sz="2400" dirty="0" smtClean="0"/>
                         <a:t>23.8 million</a:t>
                       </a:r>
-                      <a:endParaRPr lang="en-US" sz="2800" dirty="0"/>
+                      <a:endParaRPr lang="en-US" sz="2400" dirty="0"/>
                     </a:p>
                   </a:txBody>
                   <a:tcPr/>
@@ -5222,7 +5320,7 @@
                     <a:p>
                       <a:pPr algn="ctr"/>
                       <a:r>
-                        <a:rPr lang="en-US" sz="2800" dirty="0" smtClean="0">
+                        <a:rPr lang="en-US" sz="3200" dirty="0" smtClean="0">
                           <a:effectLst>
                             <a:outerShdw blurRad="38100" dist="38100" dir="2700000" algn="tl">
                               <a:srgbClr val="000000">
@@ -5233,7 +5331,7 @@
                         </a:rPr>
                         <a:t>$ 8,925</a:t>
                       </a:r>
-                      <a:endParaRPr lang="en-US" sz="2800" b="1" i="0" dirty="0">
+                      <a:endParaRPr lang="en-US" sz="3200" b="1" i="0" dirty="0">
                         <a:solidFill>
                           <a:srgbClr val="92D050"/>
                         </a:solidFill>
@@ -5256,7 +5354,7 @@
                     <a:p>
                       <a:pPr algn="ctr"/>
                       <a:r>
-                        <a:rPr lang="en-US" sz="2800" dirty="0" smtClean="0">
+                        <a:rPr lang="en-US" sz="3200" dirty="0" smtClean="0">
                           <a:effectLst>
                             <a:outerShdw blurRad="38100" dist="38100" dir="2700000" algn="tl">
                               <a:srgbClr val="000000">
@@ -5267,7 +5365,7 @@
                         </a:rPr>
                         <a:t>$ 178,500</a:t>
                       </a:r>
-                      <a:endParaRPr lang="en-US" sz="2800" b="1" i="0" dirty="0">
+                      <a:endParaRPr lang="en-US" sz="3200" b="1" i="0" dirty="0">
                         <a:solidFill>
                           <a:srgbClr val="92D050"/>
                         </a:solidFill>
@@ -5291,14 +5389,14 @@
                     <a:lstStyle/>
                     <a:p>
                       <a:r>
-                        <a:rPr lang="en-US" dirty="0" err="1" smtClean="0"/>
+                        <a:rPr lang="en-US" sz="1800" dirty="0" err="1" smtClean="0"/>
                         <a:t>Unreg</a:t>
                       </a:r>
                       <a:r>
-                        <a:rPr lang="en-US" dirty="0" smtClean="0"/>
+                        <a:rPr lang="en-US" sz="1800" dirty="0" smtClean="0"/>
                         <a:t> Sports Betting (USA) </a:t>
                       </a:r>
-                      <a:endParaRPr lang="en-US" dirty="0"/>
+                      <a:endParaRPr lang="en-US" sz="1800" dirty="0"/>
                     </a:p>
                   </a:txBody>
                   <a:tcPr/>
@@ -5310,14 +5408,14 @@
                     <a:p>
                       <a:pPr algn="ctr"/>
                       <a:r>
-                        <a:rPr lang="en-US" sz="2800" dirty="0" smtClean="0"/>
+                        <a:rPr lang="en-US" sz="2400" dirty="0" smtClean="0"/>
                         <a:t>300</a:t>
                       </a:r>
                       <a:r>
-                        <a:rPr lang="en-US" sz="2800" baseline="0" dirty="0" smtClean="0"/>
+                        <a:rPr lang="en-US" sz="2400" baseline="0" dirty="0" smtClean="0"/>
                         <a:t> billion</a:t>
                       </a:r>
-                      <a:endParaRPr lang="en-US" sz="2800" dirty="0"/>
+                      <a:endParaRPr lang="en-US" sz="2400" dirty="0"/>
                     </a:p>
                   </a:txBody>
                   <a:tcPr/>
@@ -5329,7 +5427,7 @@
                     <a:p>
                       <a:pPr algn="ctr"/>
                       <a:r>
-                        <a:rPr lang="en-US" sz="2800" dirty="0" smtClean="0">
+                        <a:rPr lang="en-US" sz="3200" dirty="0" smtClean="0">
                           <a:effectLst>
                             <a:outerShdw blurRad="38100" dist="38100" dir="2700000" algn="tl">
                               <a:srgbClr val="000000">
@@ -5340,7 +5438,7 @@
                         </a:rPr>
                         <a:t>112.5 million</a:t>
                       </a:r>
-                      <a:endParaRPr lang="en-US" sz="2800" b="1" i="0" dirty="0">
+                      <a:endParaRPr lang="en-US" sz="3200" b="1" i="0" dirty="0">
                         <a:solidFill>
                           <a:srgbClr val="92D050"/>
                         </a:solidFill>
@@ -5363,7 +5461,7 @@
                     <a:p>
                       <a:pPr algn="ctr"/>
                       <a:r>
-                        <a:rPr lang="en-US" sz="2800" dirty="0" smtClean="0">
+                        <a:rPr lang="en-US" sz="3200" dirty="0" smtClean="0">
                           <a:effectLst>
                             <a:outerShdw blurRad="38100" dist="38100" dir="2700000" algn="tl">
                               <a:srgbClr val="000000">
@@ -5374,7 +5472,7 @@
                         </a:rPr>
                         <a:t>2.25 billion</a:t>
                       </a:r>
-                      <a:endParaRPr lang="en-US" sz="2800" b="1" i="0" dirty="0">
+                      <a:endParaRPr lang="en-US" sz="3200" b="1" i="0" dirty="0">
                         <a:solidFill>
                           <a:srgbClr val="92D050"/>
                         </a:solidFill>
@@ -5398,10 +5496,10 @@
                     <a:lstStyle/>
                     <a:p>
                       <a:r>
-                        <a:rPr lang="en-US" dirty="0" smtClean="0"/>
+                        <a:rPr lang="en-US" sz="1800" dirty="0" smtClean="0"/>
                         <a:t>NYSE (on just 251 trading days)</a:t>
                       </a:r>
-                      <a:endParaRPr lang="en-US" dirty="0"/>
+                      <a:endParaRPr lang="en-US" sz="1800" dirty="0"/>
                     </a:p>
                   </a:txBody>
                   <a:tcPr/>
@@ -5413,10 +5511,10 @@
                     <a:p>
                       <a:pPr algn="ctr"/>
                       <a:r>
-                        <a:rPr lang="en-US" sz="2800" dirty="0" smtClean="0"/>
+                        <a:rPr lang="en-US" sz="2400" dirty="0" smtClean="0"/>
                         <a:t>27.6 trillion</a:t>
                       </a:r>
-                      <a:endParaRPr lang="en-US" sz="2800" dirty="0"/>
+                      <a:endParaRPr lang="en-US" sz="2400" dirty="0"/>
                     </a:p>
                   </a:txBody>
                   <a:tcPr/>
@@ -5428,7 +5526,7 @@
                     <a:p>
                       <a:pPr algn="ctr"/>
                       <a:r>
-                        <a:rPr lang="en-US" sz="2800" smtClean="0">
+                        <a:rPr lang="en-US" sz="3200" smtClean="0">
                           <a:effectLst>
                             <a:outerShdw blurRad="38100" dist="38100" dir="2700000" algn="tl">
                               <a:srgbClr val="000000">
@@ -5440,7 +5538,7 @@
                         <a:t>10.35 </a:t>
                       </a:r>
                       <a:r>
-                        <a:rPr lang="en-US" sz="2800" dirty="0" smtClean="0">
+                        <a:rPr lang="en-US" sz="3200" dirty="0" smtClean="0">
                           <a:effectLst>
                             <a:outerShdw blurRad="38100" dist="38100" dir="2700000" algn="tl">
                               <a:srgbClr val="000000">
@@ -5451,7 +5549,7 @@
                         </a:rPr>
                         <a:t>billion</a:t>
                       </a:r>
-                      <a:endParaRPr lang="en-US" sz="2800" b="1" i="0" dirty="0">
+                      <a:endParaRPr lang="en-US" sz="3200" b="1" i="0" dirty="0">
                         <a:solidFill>
                           <a:srgbClr val="92D050"/>
                         </a:solidFill>
@@ -5474,7 +5572,7 @@
                     <a:p>
                       <a:pPr algn="ctr"/>
                       <a:r>
-                        <a:rPr lang="en-US" sz="2800" dirty="0" smtClean="0">
+                        <a:rPr lang="en-US" sz="3200" dirty="0" smtClean="0">
                           <a:effectLst>
                             <a:outerShdw blurRad="38100" dist="38100" dir="2700000" algn="tl">
                               <a:srgbClr val="000000">
@@ -5485,7 +5583,7 @@
                         </a:rPr>
                         <a:t>207 billion</a:t>
                       </a:r>
-                      <a:endParaRPr lang="en-US" sz="2800" b="1" i="0" dirty="0">
+                      <a:endParaRPr lang="en-US" sz="3200" b="1" i="0" dirty="0">
                         <a:solidFill>
                           <a:srgbClr val="92D050"/>
                         </a:solidFill>
@@ -5515,7 +5613,7 @@
         <p:spPr>
           <a:xfrm>
             <a:off x="609600" y="4724400"/>
-            <a:ext cx="8077200" cy="1323439"/>
+            <a:ext cx="8077200" cy="1631216"/>
           </a:xfrm>
           <a:prstGeom prst="rect">
             <a:avLst/>
@@ -5533,8 +5631,16 @@
               <a:buAutoNum type="arabicPeriod"/>
             </a:pPr>
             <a:r>
+              <a:rPr lang="en-US" sz="2000" dirty="0"/>
+              <a:t>(</a:t>
+            </a:r>
+            <a:r>
               <a:rPr lang="en-US" sz="2000" dirty="0" smtClean="0"/>
-              <a:t>(1/2) * </a:t>
+              <a:t>1/2</a:t>
+            </a:r>
+            <a:r>
+              <a:rPr lang="en-US" sz="2000" dirty="0" smtClean="0"/>
+              <a:t>) * </a:t>
             </a:r>
             <a:r>
               <a:rPr lang="en-US" sz="2000" dirty="0" smtClean="0">
@@ -5578,7 +5684,11 @@
             </a:pPr>
             <a:r>
               <a:rPr lang="en-US" sz="2000" dirty="0" smtClean="0"/>
-              <a:t>Ignores superiorities to each of these existing institutions (see notes).</a:t>
+              <a:t>Ignores </a:t>
+            </a:r>
+            <a:r>
+              <a:rPr lang="en-US" sz="2000" dirty="0" smtClean="0"/>
+              <a:t>superiorities to each of these existing institutions (see notes).</a:t>
             </a:r>
           </a:p>
           <a:p>
@@ -5588,7 +5698,11 @@
             </a:pPr>
             <a:r>
               <a:rPr lang="en-US" sz="2000" dirty="0" smtClean="0"/>
-              <a:t>Figures are for US numbers only (Truthcoin would be global).</a:t>
+              <a:t>Figures are for US numbers only (Truthcoin would be global</a:t>
+            </a:r>
+            <a:r>
+              <a:rPr lang="en-US" sz="2000" dirty="0" smtClean="0"/>
+              <a:t>).</a:t>
             </a:r>
           </a:p>
           <a:p>
@@ -5598,9 +5712,108 @@
             </a:pPr>
             <a:r>
               <a:rPr lang="en-US" sz="2000" dirty="0" smtClean="0"/>
+              <a:t>Ignores revenues from other branches.</a:t>
+            </a:r>
+            <a:endParaRPr lang="en-US" sz="2000" dirty="0" smtClean="0"/>
+          </a:p>
+          <a:p>
+            <a:pPr marL="457200" indent="-457200">
+              <a:buFont typeface="+mj-lt"/>
+              <a:buAutoNum type="arabicPeriod"/>
+            </a:pPr>
+            <a:r>
+              <a:rPr lang="en-US" sz="2000" dirty="0" smtClean="0"/>
               <a:t>Ignores Listing Fees paid by Authors (because also ignores Voting Work).</a:t>
             </a:r>
             <a:endParaRPr lang="en-US" sz="2000" dirty="0"/>
+          </a:p>
+        </p:txBody>
+      </p:sp>
+      <p:sp>
+        <p:nvSpPr>
+          <p:cNvPr id="3" name="Rectangle 2"/>
+          <p:cNvSpPr/>
+          <p:nvPr/>
+        </p:nvSpPr>
+        <p:spPr>
+          <a:xfrm>
+            <a:off x="4419600" y="1219200"/>
+            <a:ext cx="1600200" cy="304800"/>
+          </a:xfrm>
+          <a:prstGeom prst="rect">
+            <a:avLst/>
+          </a:prstGeom>
+        </p:spPr>
+        <p:style>
+          <a:lnRef idx="2">
+            <a:schemeClr val="accent1">
+              <a:shade val="50000"/>
+            </a:schemeClr>
+          </a:lnRef>
+          <a:fillRef idx="1">
+            <a:schemeClr val="accent1"/>
+          </a:fillRef>
+          <a:effectRef idx="0">
+            <a:schemeClr val="accent1"/>
+          </a:effectRef>
+          <a:fontRef idx="minor">
+            <a:schemeClr val="lt1"/>
+          </a:fontRef>
+        </p:style>
+        <p:txBody>
+          <a:bodyPr rtlCol="0" anchor="ctr"/>
+          <a:lstStyle/>
+          <a:p>
+            <a:pPr algn="ctr"/>
+            <a:r>
+              <a:rPr lang="en-US" dirty="0" smtClean="0"/>
+              <a:t>Worst Case</a:t>
+            </a:r>
+            <a:endParaRPr lang="en-US" dirty="0"/>
+          </a:p>
+        </p:txBody>
+      </p:sp>
+      <p:sp>
+        <p:nvSpPr>
+          <p:cNvPr id="7" name="Rectangle 6"/>
+          <p:cNvSpPr/>
+          <p:nvPr/>
+        </p:nvSpPr>
+        <p:spPr>
+          <a:xfrm>
+            <a:off x="6781800" y="1219200"/>
+            <a:ext cx="1600200" cy="304800"/>
+          </a:xfrm>
+          <a:prstGeom prst="rect">
+            <a:avLst/>
+          </a:prstGeom>
+        </p:spPr>
+        <p:style>
+          <a:lnRef idx="2">
+            <a:schemeClr val="accent1">
+              <a:shade val="50000"/>
+            </a:schemeClr>
+          </a:lnRef>
+          <a:fillRef idx="1">
+            <a:schemeClr val="accent1"/>
+          </a:fillRef>
+          <a:effectRef idx="0">
+            <a:schemeClr val="accent1"/>
+          </a:effectRef>
+          <a:fontRef idx="minor">
+            <a:schemeClr val="lt1"/>
+          </a:fontRef>
+        </p:style>
+        <p:txBody>
+          <a:bodyPr rtlCol="0" anchor="ctr"/>
+          <a:lstStyle/>
+          <a:p>
+            <a:pPr algn="ctr"/>
+            <a:r>
+              <a:rPr lang="en-US" dirty="0" smtClean="0"/>
+              <a:t>Medium Case</a:t>
+            </a:r>
+            <a:endParaRPr lang="en-US" dirty="0"/>
           </a:p>
         </p:txBody>
       </p:sp>
@@ -5830,7 +6043,7 @@
           <a:p>
             <a:r>
               <a:rPr lang="en-US" dirty="0" smtClean="0"/>
-              <a:t>Motivated? Our Current Needs:</a:t>
+              <a:t>[4] Can it be done?</a:t>
             </a:r>
             <a:endParaRPr lang="en-US" dirty="0"/>
           </a:p>
@@ -5851,6 +6064,104 @@
           <a:bodyPr/>
           <a:lstStyle/>
           <a:p>
+            <a:r>
+              <a:rPr lang="en-US" dirty="0" smtClean="0"/>
+              <a:t>Yes!</a:t>
+            </a:r>
+          </a:p>
+          <a:p>
+            <a:pPr lvl="1"/>
+            <a:r>
+              <a:rPr lang="en-US" dirty="0" smtClean="0"/>
+              <a:t>Does not require new or untested computer science / cryptography / economics (BTS / ETH). </a:t>
+            </a:r>
+          </a:p>
+          <a:p>
+            <a:pPr lvl="1"/>
+            <a:r>
+              <a:rPr lang="en-US" dirty="0" smtClean="0"/>
+              <a:t>Designed to use the same networking and distributed ledger technologies that have worked for nearly 6 years.</a:t>
+            </a:r>
+          </a:p>
+          <a:p>
+            <a:pPr lvl="1"/>
+            <a:r>
+              <a:rPr lang="en-US" dirty="0" smtClean="0"/>
+              <a:t>Merely Bitcoin + a few transaction types (alpha versions of which have already been coded).</a:t>
+            </a:r>
+          </a:p>
+        </p:txBody>
+      </p:sp>
+    </p:spTree>
+    <p:extLst>
+      <p:ext uri="{BB962C8B-B14F-4D97-AF65-F5344CB8AC3E}">
+        <p14:creationId xmlns:p14="http://schemas.microsoft.com/office/powerpoint/2010/main" val="249335434"/>
+      </p:ext>
+    </p:extLst>
+  </p:cSld>
+  <p:clrMapOvr>
+    <a:masterClrMapping/>
+  </p:clrMapOvr>
+</p:sld>
+</file>
+
+<file path=ppt/slides/slide13.xml><?xml version="1.0" encoding="utf-8"?>
+<p:sld xmlns:a="http://schemas.openxmlformats.org/drawingml/2006/main" xmlns:r="http://schemas.openxmlformats.org/officeDocument/2006/relationships" xmlns:p="http://schemas.openxmlformats.org/presentationml/2006/main">
+  <p:cSld>
+    <p:spTree>
+      <p:nvGrpSpPr>
+        <p:cNvPr id="1" name=""/>
+        <p:cNvGrpSpPr/>
+        <p:nvPr/>
+      </p:nvGrpSpPr>
+      <p:grpSpPr>
+        <a:xfrm>
+          <a:off x="0" y="0"/>
+          <a:ext cx="0" cy="0"/>
+          <a:chOff x="0" y="0"/>
+          <a:chExt cx="0" cy="0"/>
+        </a:xfrm>
+      </p:grpSpPr>
+      <p:sp>
+        <p:nvSpPr>
+          <p:cNvPr id="2" name="Title 1"/>
+          <p:cNvSpPr>
+            <a:spLocks noGrp="1"/>
+          </p:cNvSpPr>
+          <p:nvPr>
+            <p:ph type="title"/>
+          </p:nvPr>
+        </p:nvSpPr>
+        <p:spPr/>
+        <p:txBody>
+          <a:bodyPr/>
+          <a:lstStyle/>
+          <a:p>
+            <a:r>
+              <a:rPr lang="en-US" dirty="0" smtClean="0"/>
+              <a:t>Motivated? Our Current Needs:</a:t>
+            </a:r>
+            <a:endParaRPr lang="en-US" dirty="0"/>
+          </a:p>
+        </p:txBody>
+      </p:sp>
+      <p:sp>
+        <p:nvSpPr>
+          <p:cNvPr id="3" name="Content Placeholder 2"/>
+          <p:cNvSpPr>
+            <a:spLocks noGrp="1"/>
+          </p:cNvSpPr>
+          <p:nvPr>
+            <p:ph idx="1"/>
+          </p:nvPr>
+        </p:nvSpPr>
+        <p:spPr/>
+        <p:txBody>
+          <a:bodyPr>
+            <a:normAutofit/>
+          </a:bodyPr>
+          <a:lstStyle/>
+          <a:p>
             <a:pPr marL="514350" indent="-514350">
               <a:buFont typeface="+mj-lt"/>
               <a:buAutoNum type="arabicPeriod"/>
@@ -5864,6 +6175,30 @@
                 <a:hlinkClick r:id="rId3"/>
               </a:rPr>
               <a:t>forum.truthcoin.info</a:t>
+            </a:r>
+            <a:r>
+              <a:rPr lang="en-US" dirty="0" smtClean="0"/>
+              <a:t> / read </a:t>
+            </a:r>
+            <a:r>
+              <a:rPr lang="en-US" dirty="0" smtClean="0">
+                <a:hlinkClick r:id="rId4"/>
+              </a:rPr>
+              <a:t>FAQ</a:t>
+            </a:r>
+            <a:r>
+              <a:rPr lang="en-US" dirty="0" smtClean="0"/>
+              <a:t> / </a:t>
+            </a:r>
+            <a:r>
+              <a:rPr lang="en-US" dirty="0" smtClean="0">
+                <a:hlinkClick r:id="rId4"/>
+              </a:rPr>
+              <a:t>docs</a:t>
+            </a:r>
+            <a:r>
+              <a:rPr lang="en-US" dirty="0" smtClean="0"/>
+              <a:t>.</a:t>
             </a:r>
             <a:endParaRPr lang="en-US" dirty="0" smtClean="0"/>
           </a:p>
@@ -6286,7 +6621,11 @@
             </a:pPr>
             <a:r>
               <a:rPr lang="en-US" sz="2400" dirty="0" smtClean="0"/>
-              <a:t>Collected by Branch-owners.</a:t>
+              <a:t>Collected by Branch-owners</a:t>
+            </a:r>
+            <a:r>
+              <a:rPr lang="en-US" sz="2400" dirty="0" smtClean="0"/>
+              <a:t>.</a:t>
             </a:r>
           </a:p>
           <a:p>
@@ -6296,7 +6635,11 @@
             </a:pPr>
             <a:r>
               <a:rPr lang="en-US" sz="3600" dirty="0" smtClean="0"/>
-              <a:t>Robustness to Competition (1 slide).</a:t>
+              <a:t>Robustness </a:t>
+            </a:r>
+            <a:r>
+              <a:rPr lang="en-US" sz="3600" dirty="0" smtClean="0"/>
+              <a:t>to Competition (1 slide).</a:t>
             </a:r>
           </a:p>
           <a:p>
@@ -6306,8 +6649,23 @@
             </a:pPr>
             <a:r>
               <a:rPr lang="en-US" sz="3600" dirty="0" smtClean="0"/>
-              <a:t>Possibilities (3 slides).</a:t>
-            </a:r>
+              <a:t>Possibilities (3 slides</a:t>
+            </a:r>
+            <a:r>
+              <a:rPr lang="en-US" sz="3600" dirty="0" smtClean="0"/>
+              <a:t>).</a:t>
+            </a:r>
+          </a:p>
+          <a:p>
+            <a:pPr marL="514350" indent="-514350">
+              <a:buFont typeface="+mj-lt"/>
+              <a:buAutoNum type="arabicPeriod"/>
+            </a:pPr>
+            <a:r>
+              <a:rPr lang="en-US" sz="3600" dirty="0" smtClean="0"/>
+              <a:t>“Can it be done?” (1 slide).</a:t>
+            </a:r>
+            <a:endParaRPr lang="en-US" sz="3600" dirty="0" smtClean="0"/>
           </a:p>
           <a:p>
             <a:pPr marL="0" indent="0">
@@ -6401,7 +6759,7 @@
         </p:spPr>
         <p:txBody>
           <a:bodyPr>
-            <a:normAutofit/>
+            <a:normAutofit lnSpcReduction="10000"/>
           </a:bodyPr>
           <a:lstStyle/>
           <a:p>
@@ -6441,8 +6799,20 @@
             <a:pPr lvl="1"/>
             <a:r>
               <a:rPr lang="en-US" sz="2000" dirty="0" smtClean="0"/>
-              <a:t>It’s the “best bad idea”.</a:t>
-            </a:r>
+              <a:t>It’s the “best bad idea</a:t>
+            </a:r>
+            <a:r>
+              <a:rPr lang="en-US" sz="2000" dirty="0" smtClean="0"/>
+              <a:t>”.</a:t>
+            </a:r>
+          </a:p>
+          <a:p>
+            <a:pPr lvl="1"/>
+            <a:r>
+              <a:rPr lang="en-US" sz="2000" dirty="0" smtClean="0"/>
+              <a:t>Greatest marketing possible.</a:t>
+            </a:r>
+            <a:endParaRPr lang="en-US" sz="2000" dirty="0" smtClean="0"/>
           </a:p>
           <a:p>
             <a:pPr lvl="1"/>
@@ -14646,6 +15016,83 @@
           </a:p>
         </p:txBody>
       </p:sp>
+      <p:cxnSp>
+        <p:nvCxnSpPr>
+          <p:cNvPr id="197" name="Straight Connector 196"/>
+          <p:cNvCxnSpPr>
+            <a:endCxn id="319" idx="1"/>
+          </p:cNvCxnSpPr>
+          <p:nvPr/>
+        </p:nvCxnSpPr>
+        <p:spPr>
+          <a:xfrm>
+            <a:off x="5710910" y="4151270"/>
+            <a:ext cx="2284397" cy="719037"/>
+          </a:xfrm>
+          <a:prstGeom prst="line">
+            <a:avLst/>
+          </a:prstGeom>
+          <a:ln w="19050">
+            <a:solidFill>
+              <a:schemeClr val="tx1"/>
+            </a:solidFill>
+            <a:prstDash val="sysDash"/>
+          </a:ln>
+        </p:spPr>
+        <p:style>
+          <a:lnRef idx="1">
+            <a:schemeClr val="accent1"/>
+          </a:lnRef>
+          <a:fillRef idx="0">
+            <a:schemeClr val="accent1"/>
+          </a:fillRef>
+          <a:effectRef idx="0">
+            <a:schemeClr val="accent1"/>
+          </a:effectRef>
+          <a:fontRef idx="minor">
+            <a:schemeClr val="tx1"/>
+          </a:fontRef>
+        </p:style>
+      </p:cxnSp>
+      <p:cxnSp>
+        <p:nvCxnSpPr>
+          <p:cNvPr id="200" name="Straight Connector 199"/>
+          <p:cNvCxnSpPr>
+            <a:stCxn id="68" idx="2"/>
+            <a:endCxn id="236" idx="0"/>
+          </p:cNvCxnSpPr>
+          <p:nvPr/>
+        </p:nvCxnSpPr>
+        <p:spPr>
+          <a:xfrm flipH="1">
+            <a:off x="3322633" y="4140797"/>
+            <a:ext cx="3322678" cy="1050485"/>
+          </a:xfrm>
+          <a:prstGeom prst="line">
+            <a:avLst/>
+          </a:prstGeom>
+          <a:ln w="19050">
+            <a:solidFill>
+              <a:schemeClr val="tx1"/>
+            </a:solidFill>
+            <a:prstDash val="sysDash"/>
+          </a:ln>
+        </p:spPr>
+        <p:style>
+          <a:lnRef idx="1">
+            <a:schemeClr val="accent1"/>
+          </a:lnRef>
+          <a:fillRef idx="0">
+            <a:schemeClr val="accent1"/>
+          </a:fillRef>
+          <a:effectRef idx="0">
+            <a:schemeClr val="accent1"/>
+          </a:effectRef>
+          <a:fontRef idx="minor">
+            <a:schemeClr val="tx1"/>
+          </a:fontRef>
+        </p:style>
+      </p:cxnSp>
     </p:spTree>
     <p:extLst>
       <p:ext uri="{BB962C8B-B14F-4D97-AF65-F5344CB8AC3E}">
@@ -16214,14 +16661,14 @@
           <p:nvPr>
             <p:extLst>
               <p:ext uri="{D42A27DB-BD31-4B8C-83A1-F6EECF244321}">
-                <p14:modId xmlns:p14="http://schemas.microsoft.com/office/powerpoint/2010/main" val="1172623424"/>
+                <p14:modId xmlns:p14="http://schemas.microsoft.com/office/powerpoint/2010/main" val="2211647601"/>
               </p:ext>
             </p:extLst>
           </p:nvPr>
         </p:nvGraphicFramePr>
         <p:xfrm>
           <a:off x="533400" y="1066800"/>
-          <a:ext cx="8001001" cy="5471872"/>
+          <a:ext cx="8001001" cy="5548072"/>
         </p:xfrm>
         <a:graphic>
           <a:graphicData uri="http://schemas.openxmlformats.org/drawingml/2006/table">
@@ -16281,6 +16728,25 @@
                       <a:r>
                         <a:rPr lang="en-US" dirty="0" smtClean="0"/>
                         <a:t>”</a:t>
+                      </a:r>
+                      <a:br>
+                        <a:rPr lang="en-US" dirty="0" smtClean="0"/>
+                      </a:br>
+                      <a:r>
+                        <a:rPr lang="en-US" dirty="0" smtClean="0"/>
+                        <a:t>(Save</a:t>
+                      </a:r>
+                      <a:r>
+                        <a:rPr lang="en-US" baseline="0" dirty="0" smtClean="0"/>
+                        <a:t> in Dollars/Gold, </a:t>
+                      </a:r>
+                      <a:r>
+                        <a:rPr lang="en-US" baseline="0" dirty="0" err="1" smtClean="0"/>
+                        <a:t>xfer</a:t>
+                      </a:r>
+                      <a:r>
+                        <a:rPr lang="en-US" baseline="0" dirty="0" smtClean="0"/>
+                        <a:t> these as you would Bitcoin)</a:t>
                       </a:r>
                       <a:endParaRPr lang="en-US" dirty="0"/>
                     </a:p>
